--- a/15_Ch02_Override.pptx
+++ b/15_Ch02_Override.pptx
@@ -3654,7 +3654,7 @@
                   <a:srgbClr val="FFFF00"/>
                 </a:solidFill>
               </a:rPr>
-              <a:t>1 Override</a:t>
+              <a:t>2 Override</a:t>
             </a:r>
             <a:endParaRPr lang="zh-TW" altLang="en-US" b="1" dirty="0">
               <a:solidFill>
@@ -3985,7 +3985,7 @@
                   <a:srgbClr val="FFFF00"/>
                 </a:solidFill>
               </a:rPr>
-              <a:t>1 Override</a:t>
+              <a:t>2 Override</a:t>
             </a:r>
             <a:endParaRPr lang="zh-TW" altLang="en-US" b="1" dirty="0">
               <a:solidFill>
